--- a/Saugos Magistro studijos/Magistrinis Darbas/Literaturos sarasas.pptx
+++ b/Saugos Magistro studijos/Magistrinis Darbas/Literaturos sarasas.pptx
@@ -15,8 +15,8 @@
   <p:sldIdLst>
     <p:sldId id="256" r:id="rId7"/>
     <p:sldId id="267" r:id="rId8"/>
-    <p:sldId id="257" r:id="rId9"/>
-    <p:sldId id="265" r:id="rId10"/>
+    <p:sldId id="265" r:id="rId9"/>
+    <p:sldId id="257" r:id="rId10"/>
     <p:sldId id="266" r:id="rId11"/>
   </p:sldIdLst>
   <p:sldSz cx="12192000" cy="6858000"/>
@@ -4283,7 +4283,7 @@
           <a:p>
             <a:fld id="{72F77756-703A-4C45-96D0-2261A4FADC57}" type="datetimeFigureOut">
               <a:rPr lang="en-US" smtClean="0"/>
-              <a:t>11/30/2021</a:t>
+              <a:t>12/8/2021</a:t>
             </a:fld>
             <a:endParaRPr lang="en-US"/>
           </a:p>
@@ -4461,7 +4461,7 @@
           <a:p>
             <a:fld id="{7E4A7845-6E42-A54B-BDCA-C3518250E7BF}" type="datetimeFigureOut">
               <a:rPr lang="en-US" smtClean="0"/>
-              <a:t>11/30/2021</a:t>
+              <a:t>12/8/2021</a:t>
             </a:fld>
             <a:endParaRPr lang="en-US"/>
           </a:p>
@@ -23338,18 +23338,41 @@
           <a:bodyPr/>
           <a:lstStyle/>
           <a:p>
-            <a:pPr>
-              <a:buFont typeface="Arial" panose="020B0604020202020204" pitchFamily="34" charset="0"/>
-              <a:buChar char="•"/>
+            <a:pPr marL="0" indent="0">
+              <a:buNone/>
             </a:pPr>
+            <a:r>
+              <a:rPr lang="en-US" sz="1800" dirty="0" err="1">
+                <a:latin typeface="Times New Roman" panose="02020603050405020304" pitchFamily="18" charset="0"/>
+                <a:ea typeface="Times New Roman" panose="02020603050405020304" pitchFamily="18" charset="0"/>
+              </a:rPr>
+              <a:t>Tema</a:t>
+            </a:r>
+            <a:r>
+              <a:rPr lang="en-US" sz="1800" dirty="0">
+                <a:latin typeface="Times New Roman" panose="02020603050405020304" pitchFamily="18" charset="0"/>
+                <a:ea typeface="Times New Roman" panose="02020603050405020304" pitchFamily="18" charset="0"/>
+              </a:rPr>
+              <a:t> - R</a:t>
+            </a:r>
             <a:r>
               <a:rPr lang="lt-LT" sz="1800" dirty="0">
                 <a:effectLst/>
                 <a:latin typeface="Times New Roman" panose="02020603050405020304" pitchFamily="18" charset="0"/>
                 <a:ea typeface="Times New Roman" panose="02020603050405020304" pitchFamily="18" charset="0"/>
               </a:rPr>
-              <a:t>Žiniatinklio prieigos valdymo architektūros analizė ir prieigos valdymo metodai</a:t>
-            </a:r>
+              <a:t>olėmis prieigos valdymo metodai</a:t>
+            </a:r>
+            <a:endParaRPr lang="en-US" sz="1800" dirty="0">
+              <a:effectLst/>
+              <a:latin typeface="Times New Roman" panose="02020603050405020304" pitchFamily="18" charset="0"/>
+              <a:ea typeface="Times New Roman" panose="02020603050405020304" pitchFamily="18" charset="0"/>
+            </a:endParaRPr>
+          </a:p>
+          <a:p>
+            <a:pPr marL="0" indent="0">
+              <a:buNone/>
+            </a:pPr>
             <a:endParaRPr lang="en-US" sz="1800" dirty="0">
               <a:effectLst/>
               <a:latin typeface="Times New Roman" panose="02020603050405020304" pitchFamily="18" charset="0"/>
@@ -23386,7 +23409,40 @@
                 <a:latin typeface="Times New Roman" panose="02020603050405020304" pitchFamily="18" charset="0"/>
                 <a:ea typeface="Times New Roman" panose="02020603050405020304" pitchFamily="18" charset="0"/>
               </a:rPr>
-              <a:t>Žiniatinklio programos prieigos architektūra</a:t>
+              <a:t>Žiniatinklio prieigos valdymo architektūros analizė ir prieigos valdymo metodai</a:t>
+            </a:r>
+            <a:endParaRPr lang="en-US" sz="1800" dirty="0">
+              <a:effectLst/>
+              <a:latin typeface="Times New Roman" panose="02020603050405020304" pitchFamily="18" charset="0"/>
+              <a:ea typeface="Times New Roman" panose="02020603050405020304" pitchFamily="18" charset="0"/>
+            </a:endParaRPr>
+          </a:p>
+          <a:p>
+            <a:pPr>
+              <a:buFont typeface="Arial" panose="020B0604020202020204" pitchFamily="34" charset="0"/>
+              <a:buChar char="•"/>
+            </a:pPr>
+            <a:r>
+              <a:rPr lang="en-US" sz="1800" dirty="0" err="1">
+                <a:latin typeface="Times New Roman" panose="02020603050405020304" pitchFamily="18" charset="0"/>
+                <a:ea typeface="Times New Roman" panose="02020603050405020304" pitchFamily="18" charset="0"/>
+              </a:rPr>
+              <a:t>Rol</a:t>
+            </a:r>
+            <a:r>
+              <a:rPr lang="lt-LT" sz="1800" dirty="0">
+                <a:latin typeface="Times New Roman" panose="02020603050405020304" pitchFamily="18" charset="0"/>
+                <a:ea typeface="Times New Roman" panose="02020603050405020304" pitchFamily="18" charset="0"/>
+              </a:rPr>
+              <a:t>ėmis grysti </a:t>
+            </a:r>
+            <a:r>
+              <a:rPr lang="lt-LT" sz="1800" dirty="0">
+                <a:effectLst/>
+                <a:latin typeface="Times New Roman" panose="02020603050405020304" pitchFamily="18" charset="0"/>
+                <a:ea typeface="Times New Roman" panose="02020603050405020304" pitchFamily="18" charset="0"/>
+              </a:rPr>
+              <a:t>prieigos modeliai</a:t>
             </a:r>
             <a:endParaRPr lang="en-US" sz="1800" dirty="0">
               <a:effectLst/>
@@ -23464,6 +23520,761 @@
 </file>
 
 <file path=ppt/slides/slide3.xml><?xml version="1.0" encoding="utf-8"?>
+<p:sld xmlns:a="http://schemas.openxmlformats.org/drawingml/2006/main" xmlns:r="http://schemas.openxmlformats.org/officeDocument/2006/relationships" xmlns:p="http://schemas.openxmlformats.org/presentationml/2006/main">
+  <p:cSld>
+    <p:spTree>
+      <p:nvGrpSpPr>
+        <p:cNvPr id="1" name=""/>
+        <p:cNvGrpSpPr/>
+        <p:nvPr/>
+      </p:nvGrpSpPr>
+      <p:grpSpPr>
+        <a:xfrm>
+          <a:off x="0" y="0"/>
+          <a:ext cx="0" cy="0"/>
+          <a:chOff x="0" y="0"/>
+          <a:chExt cx="0" cy="0"/>
+        </a:xfrm>
+      </p:grpSpPr>
+      <p:sp>
+        <p:nvSpPr>
+          <p:cNvPr id="2" name="Teksto vietos rezervavimo ženklas 1">
+            <a:extLst>
+              <a:ext uri="{FF2B5EF4-FFF2-40B4-BE49-F238E27FC236}">
+                <a16:creationId xmlns:a16="http://schemas.microsoft.com/office/drawing/2014/main" id="{634EF5CE-9C6F-45E2-87C5-55B84F6C31E8}"/>
+              </a:ext>
+            </a:extLst>
+          </p:cNvPr>
+          <p:cNvSpPr>
+            <a:spLocks noGrp="1"/>
+          </p:cNvSpPr>
+          <p:nvPr>
+            <p:ph type="body" sz="quarter" idx="10"/>
+          </p:nvPr>
+        </p:nvSpPr>
+        <p:spPr/>
+        <p:txBody>
+          <a:bodyPr/>
+          <a:lstStyle/>
+          <a:p>
+            <a:r>
+              <a:rPr lang="lt-LT" dirty="0"/>
+              <a:t>sv</a:t>
+            </a:r>
+          </a:p>
+        </p:txBody>
+      </p:sp>
+      <p:sp>
+        <p:nvSpPr>
+          <p:cNvPr id="3" name="Teksto vietos rezervavimo ženklas 2">
+            <a:extLst>
+              <a:ext uri="{FF2B5EF4-FFF2-40B4-BE49-F238E27FC236}">
+                <a16:creationId xmlns:a16="http://schemas.microsoft.com/office/drawing/2014/main" id="{A7FEF84E-CC40-4DBD-A3FA-9CEC879F5390}"/>
+              </a:ext>
+            </a:extLst>
+          </p:cNvPr>
+          <p:cNvSpPr>
+            <a:spLocks noGrp="1"/>
+          </p:cNvSpPr>
+          <p:nvPr>
+            <p:ph type="body" sz="quarter" idx="11"/>
+          </p:nvPr>
+        </p:nvSpPr>
+        <p:spPr>
+          <a:xfrm>
+            <a:off x="2613221" y="600737"/>
+            <a:ext cx="8037512" cy="451686"/>
+          </a:xfrm>
+        </p:spPr>
+        <p:txBody>
+          <a:bodyPr/>
+          <a:lstStyle/>
+          <a:p>
+            <a:r>
+              <a:rPr lang="pt-BR" dirty="0"/>
+              <a:t>Prieigos valdymo problemos</a:t>
+            </a:r>
+            <a:endParaRPr lang="lt-LT" dirty="0"/>
+          </a:p>
+        </p:txBody>
+      </p:sp>
+      <p:sp>
+        <p:nvSpPr>
+          <p:cNvPr id="4" name="Teksto vietos rezervavimo ženklas 3">
+            <a:extLst>
+              <a:ext uri="{FF2B5EF4-FFF2-40B4-BE49-F238E27FC236}">
+                <a16:creationId xmlns:a16="http://schemas.microsoft.com/office/drawing/2014/main" id="{AE6ED2FF-96A5-4DD5-BB44-44C657A95EC1}"/>
+              </a:ext>
+            </a:extLst>
+          </p:cNvPr>
+          <p:cNvSpPr>
+            <a:spLocks noGrp="1"/>
+          </p:cNvSpPr>
+          <p:nvPr>
+            <p:ph type="body" sz="quarter" idx="12"/>
+          </p:nvPr>
+        </p:nvSpPr>
+        <p:spPr/>
+        <p:txBody>
+          <a:bodyPr/>
+          <a:lstStyle/>
+          <a:p>
+            <a:endParaRPr lang="lt-LT"/>
+          </a:p>
+        </p:txBody>
+      </p:sp>
+      <p:graphicFrame>
+        <p:nvGraphicFramePr>
+          <p:cNvPr id="5" name="Table 4">
+            <a:extLst>
+              <a:ext uri="{FF2B5EF4-FFF2-40B4-BE49-F238E27FC236}">
+                <a16:creationId xmlns:a16="http://schemas.microsoft.com/office/drawing/2014/main" id="{95E144AD-1B30-49C0-BBCB-473383109804}"/>
+              </a:ext>
+            </a:extLst>
+          </p:cNvPr>
+          <p:cNvGraphicFramePr>
+            <a:graphicFrameLocks noGrp="1"/>
+          </p:cNvGraphicFramePr>
+          <p:nvPr>
+            <p:extLst>
+              <p:ext uri="{D42A27DB-BD31-4B8C-83A1-F6EECF244321}">
+                <p14:modId xmlns:p14="http://schemas.microsoft.com/office/powerpoint/2010/main" val="733784146"/>
+              </p:ext>
+            </p:extLst>
+          </p:nvPr>
+        </p:nvGraphicFramePr>
+        <p:xfrm>
+          <a:off x="2704949" y="2058175"/>
+          <a:ext cx="8343181" cy="2424113"/>
+        </p:xfrm>
+        <a:graphic>
+          <a:graphicData uri="http://schemas.openxmlformats.org/drawingml/2006/table">
+            <a:tbl>
+              <a:tblPr firstRow="1" firstCol="1" bandRow="1">
+                <a:tableStyleId>{5C22544A-7EE6-4342-B048-85BDC9FD1C3A}</a:tableStyleId>
+              </a:tblPr>
+              <a:tblGrid>
+                <a:gridCol w="345408">
+                  <a:extLst>
+                    <a:ext uri="{9D8B030D-6E8A-4147-A177-3AD203B41FA5}">
+                      <a16:colId xmlns:a16="http://schemas.microsoft.com/office/drawing/2014/main" val="2778133499"/>
+                    </a:ext>
+                  </a:extLst>
+                </a:gridCol>
+                <a:gridCol w="7997773">
+                  <a:extLst>
+                    <a:ext uri="{9D8B030D-6E8A-4147-A177-3AD203B41FA5}">
+                      <a16:colId xmlns:a16="http://schemas.microsoft.com/office/drawing/2014/main" val="890167022"/>
+                    </a:ext>
+                  </a:extLst>
+                </a:gridCol>
+              </a:tblGrid>
+              <a:tr h="442016">
+                <a:tc>
+                  <a:txBody>
+                    <a:bodyPr/>
+                    <a:lstStyle/>
+                    <a:p>
+                      <a:pPr marL="0" marR="0">
+                        <a:lnSpc>
+                          <a:spcPct val="107000"/>
+                        </a:lnSpc>
+                        <a:spcBef>
+                          <a:spcPts val="0"/>
+                        </a:spcBef>
+                        <a:spcAft>
+                          <a:spcPts val="800"/>
+                        </a:spcAft>
+                      </a:pPr>
+                      <a:r>
+                        <a:rPr lang="en-US" sz="1100" dirty="0">
+                          <a:solidFill>
+                            <a:schemeClr val="bg1"/>
+                          </a:solidFill>
+                          <a:effectLst/>
+                          <a:latin typeface="Inter Medium" panose="020B0502030000000004"/>
+                          <a:ea typeface="Calibri" panose="020F0502020204030204" pitchFamily="34" charset="0"/>
+                          <a:cs typeface="Times New Roman" panose="02020603050405020304" pitchFamily="18" charset="0"/>
+                        </a:rPr>
+                        <a:t>[7]</a:t>
+                      </a:r>
+                    </a:p>
+                  </a:txBody>
+                  <a:tcPr marL="9525" marR="9525" marT="9525" marB="9525">
+                    <a:lnL w="12700" cmpd="sng">
+                      <a:noFill/>
+                    </a:lnL>
+                    <a:lnR w="12700" cmpd="sng">
+                      <a:noFill/>
+                    </a:lnR>
+                    <a:lnT w="12700" cmpd="sng">
+                      <a:noFill/>
+                    </a:lnT>
+                    <a:lnB w="38100" cmpd="sng">
+                      <a:noFill/>
+                    </a:lnB>
+                    <a:lnTlToBr w="12700" cmpd="sng">
+                      <a:noFill/>
+                      <a:prstDash val="solid"/>
+                    </a:lnTlToBr>
+                    <a:lnBlToTr w="12700" cmpd="sng">
+                      <a:noFill/>
+                      <a:prstDash val="solid"/>
+                    </a:lnBlToTr>
+                    <a:solidFill>
+                      <a:schemeClr val="tx1"/>
+                    </a:solidFill>
+                  </a:tcPr>
+                </a:tc>
+                <a:tc>
+                  <a:txBody>
+                    <a:bodyPr/>
+                    <a:lstStyle/>
+                    <a:p>
+                      <a:pPr marL="0" marR="0">
+                        <a:lnSpc>
+                          <a:spcPct val="107000"/>
+                        </a:lnSpc>
+                        <a:spcBef>
+                          <a:spcPts val="0"/>
+                        </a:spcBef>
+                        <a:spcAft>
+                          <a:spcPts val="800"/>
+                        </a:spcAft>
+                      </a:pPr>
+                      <a:r>
+                        <a:rPr lang="en-US" sz="1100" b="0" dirty="0">
+                          <a:solidFill>
+                            <a:schemeClr val="bg1"/>
+                          </a:solidFill>
+                          <a:effectLst/>
+                          <a:latin typeface="Inter Medium" panose="020B0502030000000004"/>
+                          <a:ea typeface="Calibri" panose="020F0502020204030204" pitchFamily="34" charset="0"/>
+                          <a:cs typeface="Times New Roman" panose="02020603050405020304" pitchFamily="18" charset="0"/>
+                        </a:rPr>
+                        <a:t>P. S. Ravi Sandhu, "Access control: principle and practice," IEEE Communications Magazine, vol. 32, pp. 40-48, 1994. </a:t>
+                      </a:r>
+                    </a:p>
+                    <a:p>
+                      <a:pPr marL="0" marR="0">
+                        <a:lnSpc>
+                          <a:spcPct val="107000"/>
+                        </a:lnSpc>
+                        <a:spcBef>
+                          <a:spcPts val="0"/>
+                        </a:spcBef>
+                        <a:spcAft>
+                          <a:spcPts val="800"/>
+                        </a:spcAft>
+                      </a:pPr>
+                      <a:r>
+                        <a:rPr lang="lt-LT" sz="1100" b="0" noProof="0" dirty="0">
+                          <a:solidFill>
+                            <a:schemeClr val="bg1"/>
+                          </a:solidFill>
+                          <a:effectLst/>
+                          <a:latin typeface="Inter Medium" panose="020B0502030000000004"/>
+                          <a:ea typeface="Calibri" panose="020F0502020204030204" pitchFamily="34" charset="0"/>
+                          <a:cs typeface="Times New Roman" panose="02020603050405020304" pitchFamily="18" charset="0"/>
+                        </a:rPr>
+                        <a:t>Šiame straipsnyje yra aprašoma prieigos valdymo principus. Yra aprašomi galimi įsilaužimai. Aprašomos skirtingos prieigos matricos.</a:t>
+                      </a:r>
+                    </a:p>
+                  </a:txBody>
+                  <a:tcPr marL="9525" marR="9525" marT="9525" marB="9525">
+                    <a:lnL w="12700" cmpd="sng">
+                      <a:noFill/>
+                    </a:lnL>
+                    <a:lnR w="12700" cmpd="sng">
+                      <a:noFill/>
+                    </a:lnR>
+                    <a:lnT w="12700" cmpd="sng">
+                      <a:noFill/>
+                    </a:lnT>
+                    <a:lnB w="38100" cmpd="sng">
+                      <a:noFill/>
+                    </a:lnB>
+                    <a:lnTlToBr w="12700" cmpd="sng">
+                      <a:noFill/>
+                      <a:prstDash val="solid"/>
+                    </a:lnTlToBr>
+                    <a:lnBlToTr w="12700" cmpd="sng">
+                      <a:noFill/>
+                      <a:prstDash val="solid"/>
+                    </a:lnBlToTr>
+                    <a:solidFill>
+                      <a:schemeClr val="tx1"/>
+                    </a:solidFill>
+                  </a:tcPr>
+                </a:tc>
+                <a:extLst>
+                  <a:ext uri="{0D108BD9-81ED-4DB2-BD59-A6C34878D82A}">
+                    <a16:rowId xmlns:a16="http://schemas.microsoft.com/office/drawing/2014/main" val="402491681"/>
+                  </a:ext>
+                </a:extLst>
+              </a:tr>
+              <a:tr h="610190">
+                <a:tc>
+                  <a:txBody>
+                    <a:bodyPr/>
+                    <a:lstStyle/>
+                    <a:p>
+                      <a:pPr marL="0" marR="0">
+                        <a:lnSpc>
+                          <a:spcPct val="107000"/>
+                        </a:lnSpc>
+                        <a:spcBef>
+                          <a:spcPts val="0"/>
+                        </a:spcBef>
+                        <a:spcAft>
+                          <a:spcPts val="800"/>
+                        </a:spcAft>
+                      </a:pPr>
+                      <a:r>
+                        <a:rPr lang="en-US" sz="1100" dirty="0">
+                          <a:solidFill>
+                            <a:schemeClr val="bg1"/>
+                          </a:solidFill>
+                          <a:effectLst/>
+                          <a:latin typeface="Inter Medium" panose="020B0502030000000004"/>
+                          <a:ea typeface="Calibri" panose="020F0502020204030204" pitchFamily="34" charset="0"/>
+                          <a:cs typeface="Times New Roman" panose="02020603050405020304" pitchFamily="18" charset="0"/>
+                        </a:rPr>
+                        <a:t>[8] </a:t>
+                      </a:r>
+                    </a:p>
+                  </a:txBody>
+                  <a:tcPr marL="9525" marR="9525" marT="9525" marB="9525">
+                    <a:lnL w="12700" cmpd="sng">
+                      <a:noFill/>
+                    </a:lnL>
+                    <a:lnR w="12700" cmpd="sng">
+                      <a:noFill/>
+                    </a:lnR>
+                    <a:lnT w="38100" cmpd="sng">
+                      <a:noFill/>
+                    </a:lnT>
+                    <a:lnB w="12700" cmpd="sng">
+                      <a:noFill/>
+                    </a:lnB>
+                    <a:lnTlToBr w="12700" cmpd="sng">
+                      <a:noFill/>
+                      <a:prstDash val="solid"/>
+                    </a:lnTlToBr>
+                    <a:lnBlToTr w="12700" cmpd="sng">
+                      <a:noFill/>
+                      <a:prstDash val="solid"/>
+                    </a:lnBlToTr>
+                    <a:solidFill>
+                      <a:schemeClr val="tx1"/>
+                    </a:solidFill>
+                  </a:tcPr>
+                </a:tc>
+                <a:tc>
+                  <a:txBody>
+                    <a:bodyPr/>
+                    <a:lstStyle/>
+                    <a:p>
+                      <a:pPr marL="0" marR="0">
+                        <a:lnSpc>
+                          <a:spcPct val="107000"/>
+                        </a:lnSpc>
+                        <a:spcBef>
+                          <a:spcPts val="0"/>
+                        </a:spcBef>
+                        <a:spcAft>
+                          <a:spcPts val="800"/>
+                        </a:spcAft>
+                      </a:pPr>
+                      <a:r>
+                        <a:rPr lang="lt-LT" sz="1100" dirty="0">
+                          <a:solidFill>
+                            <a:schemeClr val="bg1"/>
+                          </a:solidFill>
+                          <a:effectLst/>
+                          <a:latin typeface="Inter Medium" panose="020B0502030000000004"/>
+                          <a:ea typeface="Calibri" panose="020F0502020204030204" pitchFamily="34" charset="0"/>
+                          <a:cs typeface="Times New Roman" panose="02020603050405020304" pitchFamily="18" charset="0"/>
+                        </a:rPr>
+                        <a:t>Z. T. R. Wonohoesodo, "A role based access control for Web services," IEEE International Conference onServices Computing, pp. 49-56, 2004. </a:t>
+                      </a:r>
+                    </a:p>
+                    <a:p>
+                      <a:pPr marL="0" marR="0">
+                        <a:lnSpc>
+                          <a:spcPct val="107000"/>
+                        </a:lnSpc>
+                        <a:spcBef>
+                          <a:spcPts val="0"/>
+                        </a:spcBef>
+                        <a:spcAft>
+                          <a:spcPts val="800"/>
+                        </a:spcAft>
+                      </a:pPr>
+                      <a:r>
+                        <a:rPr lang="lt-LT" sz="1100" dirty="0">
+                          <a:solidFill>
+                            <a:schemeClr val="bg1"/>
+                          </a:solidFill>
+                          <a:effectLst/>
+                          <a:latin typeface="Inter Medium" panose="020B0502030000000004"/>
+                          <a:ea typeface="Calibri" panose="020F0502020204030204" pitchFamily="34" charset="0"/>
+                          <a:cs typeface="Times New Roman" panose="02020603050405020304" pitchFamily="18" charset="0"/>
+                        </a:rPr>
+                        <a:t>Straipsnyje yra aprašomi web paslaugų saugos atakos, jos taip pat yra analizuojamos. Problemoms išspręsti yra pateikti du metodai kurie yra paremti rolėmis grystu prieigos valdymu.</a:t>
+                      </a:r>
+                    </a:p>
+                  </a:txBody>
+                  <a:tcPr marL="9525" marR="9525" marT="9525" marB="9525">
+                    <a:lnL w="12700" cmpd="sng">
+                      <a:noFill/>
+                    </a:lnL>
+                    <a:lnR w="12700" cmpd="sng">
+                      <a:noFill/>
+                    </a:lnR>
+                    <a:lnT w="38100" cmpd="sng">
+                      <a:noFill/>
+                    </a:lnT>
+                    <a:lnB w="12700" cmpd="sng">
+                      <a:noFill/>
+                    </a:lnB>
+                    <a:lnTlToBr w="12700" cmpd="sng">
+                      <a:noFill/>
+                      <a:prstDash val="solid"/>
+                    </a:lnTlToBr>
+                    <a:lnBlToTr w="12700" cmpd="sng">
+                      <a:noFill/>
+                      <a:prstDash val="solid"/>
+                    </a:lnBlToTr>
+                    <a:solidFill>
+                      <a:schemeClr val="tx1"/>
+                    </a:solidFill>
+                  </a:tcPr>
+                </a:tc>
+                <a:extLst>
+                  <a:ext uri="{0D108BD9-81ED-4DB2-BD59-A6C34878D82A}">
+                    <a16:rowId xmlns:a16="http://schemas.microsoft.com/office/drawing/2014/main" val="624879496"/>
+                  </a:ext>
+                </a:extLst>
+              </a:tr>
+              <a:tr h="610190">
+                <a:tc>
+                  <a:txBody>
+                    <a:bodyPr/>
+                    <a:lstStyle/>
+                    <a:p>
+                      <a:pPr marL="0" marR="0" lvl="0" indent="0" algn="l" defTabSz="914400" rtl="0" eaLnBrk="1" fontAlgn="auto" latinLnBrk="0" hangingPunct="1">
+                        <a:lnSpc>
+                          <a:spcPct val="107000"/>
+                        </a:lnSpc>
+                        <a:spcBef>
+                          <a:spcPts val="0"/>
+                        </a:spcBef>
+                        <a:spcAft>
+                          <a:spcPts val="800"/>
+                        </a:spcAft>
+                        <a:buClrTx/>
+                        <a:buSzTx/>
+                        <a:buFontTx/>
+                        <a:buNone/>
+                        <a:tabLst/>
+                        <a:defRPr/>
+                      </a:pPr>
+                      <a:r>
+                        <a:rPr lang="en-US" sz="1100" dirty="0">
+                          <a:solidFill>
+                            <a:schemeClr val="bg1"/>
+                          </a:solidFill>
+                          <a:effectLst/>
+                        </a:rPr>
+                        <a:t>[9]</a:t>
+                      </a:r>
+                      <a:endParaRPr lang="en-US" sz="1100" dirty="0">
+                        <a:solidFill>
+                          <a:schemeClr val="bg1"/>
+                        </a:solidFill>
+                        <a:effectLst/>
+                        <a:latin typeface="Calibri" panose="020F0502020204030204" pitchFamily="34" charset="0"/>
+                        <a:ea typeface="Calibri" panose="020F0502020204030204" pitchFamily="34" charset="0"/>
+                        <a:cs typeface="Times New Roman" panose="02020603050405020304" pitchFamily="18" charset="0"/>
+                      </a:endParaRPr>
+                    </a:p>
+                  </a:txBody>
+                  <a:tcPr marL="9525" marR="9525" marT="9525" marB="9525">
+                    <a:lnL w="12700" cmpd="sng">
+                      <a:noFill/>
+                    </a:lnL>
+                    <a:lnR w="12700" cmpd="sng">
+                      <a:noFill/>
+                    </a:lnR>
+                    <a:lnT w="12700" cmpd="sng">
+                      <a:noFill/>
+                    </a:lnT>
+                    <a:lnB w="12700" cmpd="sng">
+                      <a:noFill/>
+                    </a:lnB>
+                    <a:lnTlToBr w="12700" cmpd="sng">
+                      <a:noFill/>
+                      <a:prstDash val="solid"/>
+                    </a:lnTlToBr>
+                    <a:lnBlToTr w="12700" cmpd="sng">
+                      <a:noFill/>
+                      <a:prstDash val="solid"/>
+                    </a:lnBlToTr>
+                    <a:solidFill>
+                      <a:schemeClr val="tx1"/>
+                    </a:solidFill>
+                  </a:tcPr>
+                </a:tc>
+                <a:tc>
+                  <a:txBody>
+                    <a:bodyPr/>
+                    <a:lstStyle/>
+                    <a:p>
+                      <a:pPr marL="0" marR="0">
+                        <a:lnSpc>
+                          <a:spcPct val="107000"/>
+                        </a:lnSpc>
+                        <a:spcBef>
+                          <a:spcPts val="0"/>
+                        </a:spcBef>
+                        <a:spcAft>
+                          <a:spcPts val="800"/>
+                        </a:spcAft>
+                      </a:pPr>
+                      <a:r>
+                        <a:rPr lang="lt-LT" sz="1100" dirty="0">
+                          <a:solidFill>
+                            <a:schemeClr val="bg1"/>
+                          </a:solidFill>
+                          <a:effectLst/>
+                          <a:latin typeface="Inter Medium" panose="020B0502030000000004"/>
+                          <a:ea typeface="Calibri" panose="020F0502020204030204" pitchFamily="34" charset="0"/>
+                          <a:cs typeface="Times New Roman" panose="02020603050405020304" pitchFamily="18" charset="0"/>
+                        </a:rPr>
+                        <a:t>R. S. G.-J. A. Joon S. Park, "Role-based access control on the web," ACM Trans. Inf. Syst. Secur., vol. 4, p. 37–71, 2001. </a:t>
+                      </a:r>
+                    </a:p>
+                    <a:p>
+                      <a:pPr marL="0" marR="0">
+                        <a:lnSpc>
+                          <a:spcPct val="107000"/>
+                        </a:lnSpc>
+                        <a:spcBef>
+                          <a:spcPts val="0"/>
+                        </a:spcBef>
+                        <a:spcAft>
+                          <a:spcPts val="800"/>
+                        </a:spcAft>
+                      </a:pPr>
+                      <a:r>
+                        <a:rPr lang="lt-LT" sz="1100" dirty="0">
+                          <a:solidFill>
+                            <a:schemeClr val="bg1"/>
+                          </a:solidFill>
+                          <a:effectLst/>
+                          <a:latin typeface="Inter Medium" panose="020B0502030000000004"/>
+                          <a:ea typeface="Calibri" panose="020F0502020204030204" pitchFamily="34" charset="0"/>
+                          <a:cs typeface="Times New Roman" panose="02020603050405020304" pitchFamily="18" charset="0"/>
+                        </a:rPr>
+                        <a:t>Straipsnyje yra aprašoma problema, kuri yra: dabartiniai metodai nėra labai išplečiami. Sistemos yra daugiausiai paremtos individualia naudotojo tapatybe. Pateiktas problemos išsprendimo metodas yra rolėmis paremtas prieigos valdymo metodas.</a:t>
+                      </a:r>
+                    </a:p>
+                  </a:txBody>
+                  <a:tcPr marL="9525" marR="9525" marT="9525" marB="9525">
+                    <a:lnL w="12700" cmpd="sng">
+                      <a:noFill/>
+                    </a:lnL>
+                    <a:lnR w="12700" cmpd="sng">
+                      <a:noFill/>
+                    </a:lnR>
+                    <a:lnT w="12700" cmpd="sng">
+                      <a:noFill/>
+                    </a:lnT>
+                    <a:lnB w="12700" cmpd="sng">
+                      <a:noFill/>
+                    </a:lnB>
+                    <a:lnTlToBr w="12700" cmpd="sng">
+                      <a:noFill/>
+                      <a:prstDash val="solid"/>
+                    </a:lnTlToBr>
+                    <a:lnBlToTr w="12700" cmpd="sng">
+                      <a:noFill/>
+                      <a:prstDash val="solid"/>
+                    </a:lnBlToTr>
+                    <a:solidFill>
+                      <a:schemeClr val="tx1"/>
+                    </a:solidFill>
+                  </a:tcPr>
+                </a:tc>
+                <a:extLst>
+                  <a:ext uri="{0D108BD9-81ED-4DB2-BD59-A6C34878D82A}">
+                    <a16:rowId xmlns:a16="http://schemas.microsoft.com/office/drawing/2014/main" val="4035408902"/>
+                  </a:ext>
+                </a:extLst>
+              </a:tr>
+              <a:tr h="442016">
+                <a:tc>
+                  <a:txBody>
+                    <a:bodyPr/>
+                    <a:lstStyle/>
+                    <a:p>
+                      <a:pPr marL="0" marR="0">
+                        <a:lnSpc>
+                          <a:spcPct val="107000"/>
+                        </a:lnSpc>
+                        <a:spcBef>
+                          <a:spcPts val="0"/>
+                        </a:spcBef>
+                        <a:spcAft>
+                          <a:spcPts val="800"/>
+                        </a:spcAft>
+                      </a:pPr>
+                      <a:r>
+                        <a:rPr lang="en-US" sz="1100" dirty="0">
+                          <a:solidFill>
+                            <a:schemeClr val="bg1"/>
+                          </a:solidFill>
+                          <a:effectLst/>
+                          <a:latin typeface="Inter Medium" panose="020B0502030000000004"/>
+                          <a:ea typeface="Calibri" panose="020F0502020204030204" pitchFamily="34" charset="0"/>
+                          <a:cs typeface="Times New Roman" panose="02020603050405020304" pitchFamily="18" charset="0"/>
+                        </a:rPr>
+                        <a:t>[10]</a:t>
+                      </a:r>
+                    </a:p>
+                  </a:txBody>
+                  <a:tcPr marL="9525" marR="9525" marT="9525" marB="9525">
+                    <a:lnL w="12700" cmpd="sng">
+                      <a:noFill/>
+                    </a:lnL>
+                    <a:lnR w="12700" cmpd="sng">
+                      <a:noFill/>
+                    </a:lnR>
+                    <a:lnT w="12700" cmpd="sng">
+                      <a:noFill/>
+                    </a:lnT>
+                    <a:lnB w="12700" cmpd="sng">
+                      <a:noFill/>
+                    </a:lnB>
+                    <a:lnTlToBr w="12700" cmpd="sng">
+                      <a:noFill/>
+                      <a:prstDash val="solid"/>
+                    </a:lnTlToBr>
+                    <a:lnBlToTr w="12700" cmpd="sng">
+                      <a:noFill/>
+                      <a:prstDash val="solid"/>
+                    </a:lnBlToTr>
+                    <a:solidFill>
+                      <a:schemeClr val="tx1"/>
+                    </a:solidFill>
+                  </a:tcPr>
+                </a:tc>
+                <a:tc>
+                  <a:txBody>
+                    <a:bodyPr/>
+                    <a:lstStyle/>
+                    <a:p>
+                      <a:pPr marL="0" marR="0">
+                        <a:lnSpc>
+                          <a:spcPct val="107000"/>
+                        </a:lnSpc>
+                        <a:spcBef>
+                          <a:spcPts val="0"/>
+                        </a:spcBef>
+                        <a:spcAft>
+                          <a:spcPts val="800"/>
+                        </a:spcAft>
+                      </a:pPr>
+                      <a:r>
+                        <a:rPr lang="lt-LT" sz="1100" dirty="0">
+                          <a:solidFill>
+                            <a:schemeClr val="bg1"/>
+                          </a:solidFill>
+                          <a:effectLst/>
+                          <a:latin typeface="Inter Medium" panose="020B0502030000000004"/>
+                          <a:ea typeface="Calibri" panose="020F0502020204030204" pitchFamily="34" charset="0"/>
+                          <a:cs typeface="Times New Roman" panose="02020603050405020304" pitchFamily="18" charset="0"/>
+                        </a:rPr>
+                        <a:t>H. H. a. M. H. D. Alan H. Karp, "From ABAC to ZBAC: The Evolution of Access Control Models," Journal of Information Warfare, vol. 9, pp. 38-46, 2010. </a:t>
+                      </a:r>
+                    </a:p>
+                    <a:p>
+                      <a:pPr marL="0" marR="0">
+                        <a:lnSpc>
+                          <a:spcPct val="107000"/>
+                        </a:lnSpc>
+                        <a:spcBef>
+                          <a:spcPts val="0"/>
+                        </a:spcBef>
+                        <a:spcAft>
+                          <a:spcPts val="800"/>
+                        </a:spcAft>
+                      </a:pPr>
+                      <a:r>
+                        <a:rPr lang="lt-LT" sz="1100" dirty="0">
+                          <a:solidFill>
+                            <a:schemeClr val="bg1"/>
+                          </a:solidFill>
+                          <a:effectLst/>
+                          <a:latin typeface="Inter Medium" panose="020B0502030000000004"/>
+                          <a:ea typeface="Calibri" panose="020F0502020204030204" pitchFamily="34" charset="0"/>
+                          <a:cs typeface="Times New Roman" panose="02020603050405020304" pitchFamily="18" charset="0"/>
+                        </a:rPr>
+                        <a:t>Šiame straipsnyje yra pateikiama prieigos valdymo evoliucija. Kokios problemos vedė prie naujų prieigos valdymo kūrimo.</a:t>
+                      </a:r>
+                    </a:p>
+                  </a:txBody>
+                  <a:tcPr marL="9525" marR="9525" marT="9525" marB="9525">
+                    <a:lnL w="12700" cmpd="sng">
+                      <a:noFill/>
+                    </a:lnL>
+                    <a:lnR w="12700" cmpd="sng">
+                      <a:noFill/>
+                    </a:lnR>
+                    <a:lnT w="12700" cmpd="sng">
+                      <a:noFill/>
+                    </a:lnT>
+                    <a:lnB w="12700" cmpd="sng">
+                      <a:noFill/>
+                    </a:lnB>
+                    <a:lnTlToBr w="12700" cmpd="sng">
+                      <a:noFill/>
+                      <a:prstDash val="solid"/>
+                    </a:lnTlToBr>
+                    <a:lnBlToTr w="12700" cmpd="sng">
+                      <a:noFill/>
+                      <a:prstDash val="solid"/>
+                    </a:lnBlToTr>
+                    <a:solidFill>
+                      <a:schemeClr val="tx1"/>
+                    </a:solidFill>
+                  </a:tcPr>
+                </a:tc>
+                <a:extLst>
+                  <a:ext uri="{0D108BD9-81ED-4DB2-BD59-A6C34878D82A}">
+                    <a16:rowId xmlns:a16="http://schemas.microsoft.com/office/drawing/2014/main" val="3209368045"/>
+                  </a:ext>
+                </a:extLst>
+              </a:tr>
+            </a:tbl>
+          </a:graphicData>
+        </a:graphic>
+      </p:graphicFrame>
+    </p:spTree>
+    <p:extLst>
+      <p:ext uri="{BB962C8B-B14F-4D97-AF65-F5344CB8AC3E}">
+        <p14:creationId xmlns:p14="http://schemas.microsoft.com/office/powerpoint/2010/main" val="3186842313"/>
+      </p:ext>
+    </p:extLst>
+  </p:cSld>
+  <p:clrMapOvr>
+    <a:masterClrMapping/>
+  </p:clrMapOvr>
+</p:sld>
+</file>
+
+<file path=ppt/slides/slide4.xml><?xml version="1.0" encoding="utf-8"?>
 <p:sld xmlns:a="http://schemas.openxmlformats.org/drawingml/2006/main" xmlns:r="http://schemas.openxmlformats.org/officeDocument/2006/relationships" xmlns:p="http://schemas.openxmlformats.org/presentationml/2006/main">
   <p:cSld>
     <p:spTree>
@@ -24491,761 +25302,6 @@
 </p:sld>
 </file>
 
-<file path=ppt/slides/slide4.xml><?xml version="1.0" encoding="utf-8"?>
-<p:sld xmlns:a="http://schemas.openxmlformats.org/drawingml/2006/main" xmlns:r="http://schemas.openxmlformats.org/officeDocument/2006/relationships" xmlns:p="http://schemas.openxmlformats.org/presentationml/2006/main">
-  <p:cSld>
-    <p:spTree>
-      <p:nvGrpSpPr>
-        <p:cNvPr id="1" name=""/>
-        <p:cNvGrpSpPr/>
-        <p:nvPr/>
-      </p:nvGrpSpPr>
-      <p:grpSpPr>
-        <a:xfrm>
-          <a:off x="0" y="0"/>
-          <a:ext cx="0" cy="0"/>
-          <a:chOff x="0" y="0"/>
-          <a:chExt cx="0" cy="0"/>
-        </a:xfrm>
-      </p:grpSpPr>
-      <p:sp>
-        <p:nvSpPr>
-          <p:cNvPr id="2" name="Teksto vietos rezervavimo ženklas 1">
-            <a:extLst>
-              <a:ext uri="{FF2B5EF4-FFF2-40B4-BE49-F238E27FC236}">
-                <a16:creationId xmlns:a16="http://schemas.microsoft.com/office/drawing/2014/main" id="{634EF5CE-9C6F-45E2-87C5-55B84F6C31E8}"/>
-              </a:ext>
-            </a:extLst>
-          </p:cNvPr>
-          <p:cNvSpPr>
-            <a:spLocks noGrp="1"/>
-          </p:cNvSpPr>
-          <p:nvPr>
-            <p:ph type="body" sz="quarter" idx="10"/>
-          </p:nvPr>
-        </p:nvSpPr>
-        <p:spPr/>
-        <p:txBody>
-          <a:bodyPr/>
-          <a:lstStyle/>
-          <a:p>
-            <a:r>
-              <a:rPr lang="lt-LT" dirty="0"/>
-              <a:t>sv</a:t>
-            </a:r>
-          </a:p>
-        </p:txBody>
-      </p:sp>
-      <p:sp>
-        <p:nvSpPr>
-          <p:cNvPr id="3" name="Teksto vietos rezervavimo ženklas 2">
-            <a:extLst>
-              <a:ext uri="{FF2B5EF4-FFF2-40B4-BE49-F238E27FC236}">
-                <a16:creationId xmlns:a16="http://schemas.microsoft.com/office/drawing/2014/main" id="{A7FEF84E-CC40-4DBD-A3FA-9CEC879F5390}"/>
-              </a:ext>
-            </a:extLst>
-          </p:cNvPr>
-          <p:cNvSpPr>
-            <a:spLocks noGrp="1"/>
-          </p:cNvSpPr>
-          <p:nvPr>
-            <p:ph type="body" sz="quarter" idx="11"/>
-          </p:nvPr>
-        </p:nvSpPr>
-        <p:spPr>
-          <a:xfrm>
-            <a:off x="2613221" y="600737"/>
-            <a:ext cx="8037512" cy="451686"/>
-          </a:xfrm>
-        </p:spPr>
-        <p:txBody>
-          <a:bodyPr/>
-          <a:lstStyle/>
-          <a:p>
-            <a:r>
-              <a:rPr lang="pt-BR" dirty="0"/>
-              <a:t>Prieigos valdymo problemos</a:t>
-            </a:r>
-            <a:endParaRPr lang="lt-LT" dirty="0"/>
-          </a:p>
-        </p:txBody>
-      </p:sp>
-      <p:sp>
-        <p:nvSpPr>
-          <p:cNvPr id="4" name="Teksto vietos rezervavimo ženklas 3">
-            <a:extLst>
-              <a:ext uri="{FF2B5EF4-FFF2-40B4-BE49-F238E27FC236}">
-                <a16:creationId xmlns:a16="http://schemas.microsoft.com/office/drawing/2014/main" id="{AE6ED2FF-96A5-4DD5-BB44-44C657A95EC1}"/>
-              </a:ext>
-            </a:extLst>
-          </p:cNvPr>
-          <p:cNvSpPr>
-            <a:spLocks noGrp="1"/>
-          </p:cNvSpPr>
-          <p:nvPr>
-            <p:ph type="body" sz="quarter" idx="12"/>
-          </p:nvPr>
-        </p:nvSpPr>
-        <p:spPr/>
-        <p:txBody>
-          <a:bodyPr/>
-          <a:lstStyle/>
-          <a:p>
-            <a:endParaRPr lang="lt-LT"/>
-          </a:p>
-        </p:txBody>
-      </p:sp>
-      <p:graphicFrame>
-        <p:nvGraphicFramePr>
-          <p:cNvPr id="5" name="Table 4">
-            <a:extLst>
-              <a:ext uri="{FF2B5EF4-FFF2-40B4-BE49-F238E27FC236}">
-                <a16:creationId xmlns:a16="http://schemas.microsoft.com/office/drawing/2014/main" id="{95E144AD-1B30-49C0-BBCB-473383109804}"/>
-              </a:ext>
-            </a:extLst>
-          </p:cNvPr>
-          <p:cNvGraphicFramePr>
-            <a:graphicFrameLocks noGrp="1"/>
-          </p:cNvGraphicFramePr>
-          <p:nvPr>
-            <p:extLst>
-              <p:ext uri="{D42A27DB-BD31-4B8C-83A1-F6EECF244321}">
-                <p14:modId xmlns:p14="http://schemas.microsoft.com/office/powerpoint/2010/main" val="733784146"/>
-              </p:ext>
-            </p:extLst>
-          </p:nvPr>
-        </p:nvGraphicFramePr>
-        <p:xfrm>
-          <a:off x="2704949" y="2058175"/>
-          <a:ext cx="8343181" cy="2424113"/>
-        </p:xfrm>
-        <a:graphic>
-          <a:graphicData uri="http://schemas.openxmlformats.org/drawingml/2006/table">
-            <a:tbl>
-              <a:tblPr firstRow="1" firstCol="1" bandRow="1">
-                <a:tableStyleId>{5C22544A-7EE6-4342-B048-85BDC9FD1C3A}</a:tableStyleId>
-              </a:tblPr>
-              <a:tblGrid>
-                <a:gridCol w="345408">
-                  <a:extLst>
-                    <a:ext uri="{9D8B030D-6E8A-4147-A177-3AD203B41FA5}">
-                      <a16:colId xmlns:a16="http://schemas.microsoft.com/office/drawing/2014/main" val="2778133499"/>
-                    </a:ext>
-                  </a:extLst>
-                </a:gridCol>
-                <a:gridCol w="7997773">
-                  <a:extLst>
-                    <a:ext uri="{9D8B030D-6E8A-4147-A177-3AD203B41FA5}">
-                      <a16:colId xmlns:a16="http://schemas.microsoft.com/office/drawing/2014/main" val="890167022"/>
-                    </a:ext>
-                  </a:extLst>
-                </a:gridCol>
-              </a:tblGrid>
-              <a:tr h="442016">
-                <a:tc>
-                  <a:txBody>
-                    <a:bodyPr/>
-                    <a:lstStyle/>
-                    <a:p>
-                      <a:pPr marL="0" marR="0">
-                        <a:lnSpc>
-                          <a:spcPct val="107000"/>
-                        </a:lnSpc>
-                        <a:spcBef>
-                          <a:spcPts val="0"/>
-                        </a:spcBef>
-                        <a:spcAft>
-                          <a:spcPts val="800"/>
-                        </a:spcAft>
-                      </a:pPr>
-                      <a:r>
-                        <a:rPr lang="en-US" sz="1100" dirty="0">
-                          <a:solidFill>
-                            <a:schemeClr val="bg1"/>
-                          </a:solidFill>
-                          <a:effectLst/>
-                          <a:latin typeface="Inter Medium" panose="020B0502030000000004"/>
-                          <a:ea typeface="Calibri" panose="020F0502020204030204" pitchFamily="34" charset="0"/>
-                          <a:cs typeface="Times New Roman" panose="02020603050405020304" pitchFamily="18" charset="0"/>
-                        </a:rPr>
-                        <a:t>[7]</a:t>
-                      </a:r>
-                    </a:p>
-                  </a:txBody>
-                  <a:tcPr marL="9525" marR="9525" marT="9525" marB="9525">
-                    <a:lnL w="12700" cmpd="sng">
-                      <a:noFill/>
-                    </a:lnL>
-                    <a:lnR w="12700" cmpd="sng">
-                      <a:noFill/>
-                    </a:lnR>
-                    <a:lnT w="12700" cmpd="sng">
-                      <a:noFill/>
-                    </a:lnT>
-                    <a:lnB w="38100" cmpd="sng">
-                      <a:noFill/>
-                    </a:lnB>
-                    <a:lnTlToBr w="12700" cmpd="sng">
-                      <a:noFill/>
-                      <a:prstDash val="solid"/>
-                    </a:lnTlToBr>
-                    <a:lnBlToTr w="12700" cmpd="sng">
-                      <a:noFill/>
-                      <a:prstDash val="solid"/>
-                    </a:lnBlToTr>
-                    <a:solidFill>
-                      <a:schemeClr val="tx1"/>
-                    </a:solidFill>
-                  </a:tcPr>
-                </a:tc>
-                <a:tc>
-                  <a:txBody>
-                    <a:bodyPr/>
-                    <a:lstStyle/>
-                    <a:p>
-                      <a:pPr marL="0" marR="0">
-                        <a:lnSpc>
-                          <a:spcPct val="107000"/>
-                        </a:lnSpc>
-                        <a:spcBef>
-                          <a:spcPts val="0"/>
-                        </a:spcBef>
-                        <a:spcAft>
-                          <a:spcPts val="800"/>
-                        </a:spcAft>
-                      </a:pPr>
-                      <a:r>
-                        <a:rPr lang="en-US" sz="1100" b="0" dirty="0">
-                          <a:solidFill>
-                            <a:schemeClr val="bg1"/>
-                          </a:solidFill>
-                          <a:effectLst/>
-                          <a:latin typeface="Inter Medium" panose="020B0502030000000004"/>
-                          <a:ea typeface="Calibri" panose="020F0502020204030204" pitchFamily="34" charset="0"/>
-                          <a:cs typeface="Times New Roman" panose="02020603050405020304" pitchFamily="18" charset="0"/>
-                        </a:rPr>
-                        <a:t>P. S. Ravi Sandhu, "Access control: principle and practice," IEEE Communications Magazine, vol. 32, pp. 40-48, 1994. </a:t>
-                      </a:r>
-                    </a:p>
-                    <a:p>
-                      <a:pPr marL="0" marR="0">
-                        <a:lnSpc>
-                          <a:spcPct val="107000"/>
-                        </a:lnSpc>
-                        <a:spcBef>
-                          <a:spcPts val="0"/>
-                        </a:spcBef>
-                        <a:spcAft>
-                          <a:spcPts val="800"/>
-                        </a:spcAft>
-                      </a:pPr>
-                      <a:r>
-                        <a:rPr lang="lt-LT" sz="1100" b="0" noProof="0" dirty="0">
-                          <a:solidFill>
-                            <a:schemeClr val="bg1"/>
-                          </a:solidFill>
-                          <a:effectLst/>
-                          <a:latin typeface="Inter Medium" panose="020B0502030000000004"/>
-                          <a:ea typeface="Calibri" panose="020F0502020204030204" pitchFamily="34" charset="0"/>
-                          <a:cs typeface="Times New Roman" panose="02020603050405020304" pitchFamily="18" charset="0"/>
-                        </a:rPr>
-                        <a:t>Šiame straipsnyje yra aprašoma prieigos valdymo principus. Yra aprašomi galimi įsilaužimai. Aprašomos skirtingos prieigos matricos.</a:t>
-                      </a:r>
-                    </a:p>
-                  </a:txBody>
-                  <a:tcPr marL="9525" marR="9525" marT="9525" marB="9525">
-                    <a:lnL w="12700" cmpd="sng">
-                      <a:noFill/>
-                    </a:lnL>
-                    <a:lnR w="12700" cmpd="sng">
-                      <a:noFill/>
-                    </a:lnR>
-                    <a:lnT w="12700" cmpd="sng">
-                      <a:noFill/>
-                    </a:lnT>
-                    <a:lnB w="38100" cmpd="sng">
-                      <a:noFill/>
-                    </a:lnB>
-                    <a:lnTlToBr w="12700" cmpd="sng">
-                      <a:noFill/>
-                      <a:prstDash val="solid"/>
-                    </a:lnTlToBr>
-                    <a:lnBlToTr w="12700" cmpd="sng">
-                      <a:noFill/>
-                      <a:prstDash val="solid"/>
-                    </a:lnBlToTr>
-                    <a:solidFill>
-                      <a:schemeClr val="tx1"/>
-                    </a:solidFill>
-                  </a:tcPr>
-                </a:tc>
-                <a:extLst>
-                  <a:ext uri="{0D108BD9-81ED-4DB2-BD59-A6C34878D82A}">
-                    <a16:rowId xmlns:a16="http://schemas.microsoft.com/office/drawing/2014/main" val="402491681"/>
-                  </a:ext>
-                </a:extLst>
-              </a:tr>
-              <a:tr h="610190">
-                <a:tc>
-                  <a:txBody>
-                    <a:bodyPr/>
-                    <a:lstStyle/>
-                    <a:p>
-                      <a:pPr marL="0" marR="0">
-                        <a:lnSpc>
-                          <a:spcPct val="107000"/>
-                        </a:lnSpc>
-                        <a:spcBef>
-                          <a:spcPts val="0"/>
-                        </a:spcBef>
-                        <a:spcAft>
-                          <a:spcPts val="800"/>
-                        </a:spcAft>
-                      </a:pPr>
-                      <a:r>
-                        <a:rPr lang="en-US" sz="1100" dirty="0">
-                          <a:solidFill>
-                            <a:schemeClr val="bg1"/>
-                          </a:solidFill>
-                          <a:effectLst/>
-                          <a:latin typeface="Inter Medium" panose="020B0502030000000004"/>
-                          <a:ea typeface="Calibri" panose="020F0502020204030204" pitchFamily="34" charset="0"/>
-                          <a:cs typeface="Times New Roman" panose="02020603050405020304" pitchFamily="18" charset="0"/>
-                        </a:rPr>
-                        <a:t>[8] </a:t>
-                      </a:r>
-                    </a:p>
-                  </a:txBody>
-                  <a:tcPr marL="9525" marR="9525" marT="9525" marB="9525">
-                    <a:lnL w="12700" cmpd="sng">
-                      <a:noFill/>
-                    </a:lnL>
-                    <a:lnR w="12700" cmpd="sng">
-                      <a:noFill/>
-                    </a:lnR>
-                    <a:lnT w="38100" cmpd="sng">
-                      <a:noFill/>
-                    </a:lnT>
-                    <a:lnB w="12700" cmpd="sng">
-                      <a:noFill/>
-                    </a:lnB>
-                    <a:lnTlToBr w="12700" cmpd="sng">
-                      <a:noFill/>
-                      <a:prstDash val="solid"/>
-                    </a:lnTlToBr>
-                    <a:lnBlToTr w="12700" cmpd="sng">
-                      <a:noFill/>
-                      <a:prstDash val="solid"/>
-                    </a:lnBlToTr>
-                    <a:solidFill>
-                      <a:schemeClr val="tx1"/>
-                    </a:solidFill>
-                  </a:tcPr>
-                </a:tc>
-                <a:tc>
-                  <a:txBody>
-                    <a:bodyPr/>
-                    <a:lstStyle/>
-                    <a:p>
-                      <a:pPr marL="0" marR="0">
-                        <a:lnSpc>
-                          <a:spcPct val="107000"/>
-                        </a:lnSpc>
-                        <a:spcBef>
-                          <a:spcPts val="0"/>
-                        </a:spcBef>
-                        <a:spcAft>
-                          <a:spcPts val="800"/>
-                        </a:spcAft>
-                      </a:pPr>
-                      <a:r>
-                        <a:rPr lang="lt-LT" sz="1100" dirty="0">
-                          <a:solidFill>
-                            <a:schemeClr val="bg1"/>
-                          </a:solidFill>
-                          <a:effectLst/>
-                          <a:latin typeface="Inter Medium" panose="020B0502030000000004"/>
-                          <a:ea typeface="Calibri" panose="020F0502020204030204" pitchFamily="34" charset="0"/>
-                          <a:cs typeface="Times New Roman" panose="02020603050405020304" pitchFamily="18" charset="0"/>
-                        </a:rPr>
-                        <a:t>Z. T. R. Wonohoesodo, "A role based access control for Web services," IEEE International Conference onServices Computing, pp. 49-56, 2004. </a:t>
-                      </a:r>
-                    </a:p>
-                    <a:p>
-                      <a:pPr marL="0" marR="0">
-                        <a:lnSpc>
-                          <a:spcPct val="107000"/>
-                        </a:lnSpc>
-                        <a:spcBef>
-                          <a:spcPts val="0"/>
-                        </a:spcBef>
-                        <a:spcAft>
-                          <a:spcPts val="800"/>
-                        </a:spcAft>
-                      </a:pPr>
-                      <a:r>
-                        <a:rPr lang="lt-LT" sz="1100" dirty="0">
-                          <a:solidFill>
-                            <a:schemeClr val="bg1"/>
-                          </a:solidFill>
-                          <a:effectLst/>
-                          <a:latin typeface="Inter Medium" panose="020B0502030000000004"/>
-                          <a:ea typeface="Calibri" panose="020F0502020204030204" pitchFamily="34" charset="0"/>
-                          <a:cs typeface="Times New Roman" panose="02020603050405020304" pitchFamily="18" charset="0"/>
-                        </a:rPr>
-                        <a:t>Straipsnyje yra aprašomi web paslaugų saugos atakos, jos taip pat yra analizuojamos. Problemoms išspręsti yra pateikti du metodai kurie yra paremti rolėmis grystu prieigos valdymu.</a:t>
-                      </a:r>
-                    </a:p>
-                  </a:txBody>
-                  <a:tcPr marL="9525" marR="9525" marT="9525" marB="9525">
-                    <a:lnL w="12700" cmpd="sng">
-                      <a:noFill/>
-                    </a:lnL>
-                    <a:lnR w="12700" cmpd="sng">
-                      <a:noFill/>
-                    </a:lnR>
-                    <a:lnT w="38100" cmpd="sng">
-                      <a:noFill/>
-                    </a:lnT>
-                    <a:lnB w="12700" cmpd="sng">
-                      <a:noFill/>
-                    </a:lnB>
-                    <a:lnTlToBr w="12700" cmpd="sng">
-                      <a:noFill/>
-                      <a:prstDash val="solid"/>
-                    </a:lnTlToBr>
-                    <a:lnBlToTr w="12700" cmpd="sng">
-                      <a:noFill/>
-                      <a:prstDash val="solid"/>
-                    </a:lnBlToTr>
-                    <a:solidFill>
-                      <a:schemeClr val="tx1"/>
-                    </a:solidFill>
-                  </a:tcPr>
-                </a:tc>
-                <a:extLst>
-                  <a:ext uri="{0D108BD9-81ED-4DB2-BD59-A6C34878D82A}">
-                    <a16:rowId xmlns:a16="http://schemas.microsoft.com/office/drawing/2014/main" val="624879496"/>
-                  </a:ext>
-                </a:extLst>
-              </a:tr>
-              <a:tr h="610190">
-                <a:tc>
-                  <a:txBody>
-                    <a:bodyPr/>
-                    <a:lstStyle/>
-                    <a:p>
-                      <a:pPr marL="0" marR="0" lvl="0" indent="0" algn="l" defTabSz="914400" rtl="0" eaLnBrk="1" fontAlgn="auto" latinLnBrk="0" hangingPunct="1">
-                        <a:lnSpc>
-                          <a:spcPct val="107000"/>
-                        </a:lnSpc>
-                        <a:spcBef>
-                          <a:spcPts val="0"/>
-                        </a:spcBef>
-                        <a:spcAft>
-                          <a:spcPts val="800"/>
-                        </a:spcAft>
-                        <a:buClrTx/>
-                        <a:buSzTx/>
-                        <a:buFontTx/>
-                        <a:buNone/>
-                        <a:tabLst/>
-                        <a:defRPr/>
-                      </a:pPr>
-                      <a:r>
-                        <a:rPr lang="en-US" sz="1100" dirty="0">
-                          <a:solidFill>
-                            <a:schemeClr val="bg1"/>
-                          </a:solidFill>
-                          <a:effectLst/>
-                        </a:rPr>
-                        <a:t>[9]</a:t>
-                      </a:r>
-                      <a:endParaRPr lang="en-US" sz="1100" dirty="0">
-                        <a:solidFill>
-                          <a:schemeClr val="bg1"/>
-                        </a:solidFill>
-                        <a:effectLst/>
-                        <a:latin typeface="Calibri" panose="020F0502020204030204" pitchFamily="34" charset="0"/>
-                        <a:ea typeface="Calibri" panose="020F0502020204030204" pitchFamily="34" charset="0"/>
-                        <a:cs typeface="Times New Roman" panose="02020603050405020304" pitchFamily="18" charset="0"/>
-                      </a:endParaRPr>
-                    </a:p>
-                  </a:txBody>
-                  <a:tcPr marL="9525" marR="9525" marT="9525" marB="9525">
-                    <a:lnL w="12700" cmpd="sng">
-                      <a:noFill/>
-                    </a:lnL>
-                    <a:lnR w="12700" cmpd="sng">
-                      <a:noFill/>
-                    </a:lnR>
-                    <a:lnT w="12700" cmpd="sng">
-                      <a:noFill/>
-                    </a:lnT>
-                    <a:lnB w="12700" cmpd="sng">
-                      <a:noFill/>
-                    </a:lnB>
-                    <a:lnTlToBr w="12700" cmpd="sng">
-                      <a:noFill/>
-                      <a:prstDash val="solid"/>
-                    </a:lnTlToBr>
-                    <a:lnBlToTr w="12700" cmpd="sng">
-                      <a:noFill/>
-                      <a:prstDash val="solid"/>
-                    </a:lnBlToTr>
-                    <a:solidFill>
-                      <a:schemeClr val="tx1"/>
-                    </a:solidFill>
-                  </a:tcPr>
-                </a:tc>
-                <a:tc>
-                  <a:txBody>
-                    <a:bodyPr/>
-                    <a:lstStyle/>
-                    <a:p>
-                      <a:pPr marL="0" marR="0">
-                        <a:lnSpc>
-                          <a:spcPct val="107000"/>
-                        </a:lnSpc>
-                        <a:spcBef>
-                          <a:spcPts val="0"/>
-                        </a:spcBef>
-                        <a:spcAft>
-                          <a:spcPts val="800"/>
-                        </a:spcAft>
-                      </a:pPr>
-                      <a:r>
-                        <a:rPr lang="lt-LT" sz="1100" dirty="0">
-                          <a:solidFill>
-                            <a:schemeClr val="bg1"/>
-                          </a:solidFill>
-                          <a:effectLst/>
-                          <a:latin typeface="Inter Medium" panose="020B0502030000000004"/>
-                          <a:ea typeface="Calibri" panose="020F0502020204030204" pitchFamily="34" charset="0"/>
-                          <a:cs typeface="Times New Roman" panose="02020603050405020304" pitchFamily="18" charset="0"/>
-                        </a:rPr>
-                        <a:t>R. S. G.-J. A. Joon S. Park, "Role-based access control on the web," ACM Trans. Inf. Syst. Secur., vol. 4, p. 37–71, 2001. </a:t>
-                      </a:r>
-                    </a:p>
-                    <a:p>
-                      <a:pPr marL="0" marR="0">
-                        <a:lnSpc>
-                          <a:spcPct val="107000"/>
-                        </a:lnSpc>
-                        <a:spcBef>
-                          <a:spcPts val="0"/>
-                        </a:spcBef>
-                        <a:spcAft>
-                          <a:spcPts val="800"/>
-                        </a:spcAft>
-                      </a:pPr>
-                      <a:r>
-                        <a:rPr lang="lt-LT" sz="1100" dirty="0">
-                          <a:solidFill>
-                            <a:schemeClr val="bg1"/>
-                          </a:solidFill>
-                          <a:effectLst/>
-                          <a:latin typeface="Inter Medium" panose="020B0502030000000004"/>
-                          <a:ea typeface="Calibri" panose="020F0502020204030204" pitchFamily="34" charset="0"/>
-                          <a:cs typeface="Times New Roman" panose="02020603050405020304" pitchFamily="18" charset="0"/>
-                        </a:rPr>
-                        <a:t>Straipsnyje yra aprašoma problema, kuri yra: dabartiniai metodai nėra labai išplečiami. Sistemos yra daugiausiai paremtos individualia naudotojo tapatybe. Pateiktas problemos išsprendimo metodas yra rolėmis paremtas prieigos valdymo metodas.</a:t>
-                      </a:r>
-                    </a:p>
-                  </a:txBody>
-                  <a:tcPr marL="9525" marR="9525" marT="9525" marB="9525">
-                    <a:lnL w="12700" cmpd="sng">
-                      <a:noFill/>
-                    </a:lnL>
-                    <a:lnR w="12700" cmpd="sng">
-                      <a:noFill/>
-                    </a:lnR>
-                    <a:lnT w="12700" cmpd="sng">
-                      <a:noFill/>
-                    </a:lnT>
-                    <a:lnB w="12700" cmpd="sng">
-                      <a:noFill/>
-                    </a:lnB>
-                    <a:lnTlToBr w="12700" cmpd="sng">
-                      <a:noFill/>
-                      <a:prstDash val="solid"/>
-                    </a:lnTlToBr>
-                    <a:lnBlToTr w="12700" cmpd="sng">
-                      <a:noFill/>
-                      <a:prstDash val="solid"/>
-                    </a:lnBlToTr>
-                    <a:solidFill>
-                      <a:schemeClr val="tx1"/>
-                    </a:solidFill>
-                  </a:tcPr>
-                </a:tc>
-                <a:extLst>
-                  <a:ext uri="{0D108BD9-81ED-4DB2-BD59-A6C34878D82A}">
-                    <a16:rowId xmlns:a16="http://schemas.microsoft.com/office/drawing/2014/main" val="4035408902"/>
-                  </a:ext>
-                </a:extLst>
-              </a:tr>
-              <a:tr h="442016">
-                <a:tc>
-                  <a:txBody>
-                    <a:bodyPr/>
-                    <a:lstStyle/>
-                    <a:p>
-                      <a:pPr marL="0" marR="0">
-                        <a:lnSpc>
-                          <a:spcPct val="107000"/>
-                        </a:lnSpc>
-                        <a:spcBef>
-                          <a:spcPts val="0"/>
-                        </a:spcBef>
-                        <a:spcAft>
-                          <a:spcPts val="800"/>
-                        </a:spcAft>
-                      </a:pPr>
-                      <a:r>
-                        <a:rPr lang="en-US" sz="1100" dirty="0">
-                          <a:solidFill>
-                            <a:schemeClr val="bg1"/>
-                          </a:solidFill>
-                          <a:effectLst/>
-                          <a:latin typeface="Inter Medium" panose="020B0502030000000004"/>
-                          <a:ea typeface="Calibri" panose="020F0502020204030204" pitchFamily="34" charset="0"/>
-                          <a:cs typeface="Times New Roman" panose="02020603050405020304" pitchFamily="18" charset="0"/>
-                        </a:rPr>
-                        <a:t>[10]</a:t>
-                      </a:r>
-                    </a:p>
-                  </a:txBody>
-                  <a:tcPr marL="9525" marR="9525" marT="9525" marB="9525">
-                    <a:lnL w="12700" cmpd="sng">
-                      <a:noFill/>
-                    </a:lnL>
-                    <a:lnR w="12700" cmpd="sng">
-                      <a:noFill/>
-                    </a:lnR>
-                    <a:lnT w="12700" cmpd="sng">
-                      <a:noFill/>
-                    </a:lnT>
-                    <a:lnB w="12700" cmpd="sng">
-                      <a:noFill/>
-                    </a:lnB>
-                    <a:lnTlToBr w="12700" cmpd="sng">
-                      <a:noFill/>
-                      <a:prstDash val="solid"/>
-                    </a:lnTlToBr>
-                    <a:lnBlToTr w="12700" cmpd="sng">
-                      <a:noFill/>
-                      <a:prstDash val="solid"/>
-                    </a:lnBlToTr>
-                    <a:solidFill>
-                      <a:schemeClr val="tx1"/>
-                    </a:solidFill>
-                  </a:tcPr>
-                </a:tc>
-                <a:tc>
-                  <a:txBody>
-                    <a:bodyPr/>
-                    <a:lstStyle/>
-                    <a:p>
-                      <a:pPr marL="0" marR="0">
-                        <a:lnSpc>
-                          <a:spcPct val="107000"/>
-                        </a:lnSpc>
-                        <a:spcBef>
-                          <a:spcPts val="0"/>
-                        </a:spcBef>
-                        <a:spcAft>
-                          <a:spcPts val="800"/>
-                        </a:spcAft>
-                      </a:pPr>
-                      <a:r>
-                        <a:rPr lang="lt-LT" sz="1100" dirty="0">
-                          <a:solidFill>
-                            <a:schemeClr val="bg1"/>
-                          </a:solidFill>
-                          <a:effectLst/>
-                          <a:latin typeface="Inter Medium" panose="020B0502030000000004"/>
-                          <a:ea typeface="Calibri" panose="020F0502020204030204" pitchFamily="34" charset="0"/>
-                          <a:cs typeface="Times New Roman" panose="02020603050405020304" pitchFamily="18" charset="0"/>
-                        </a:rPr>
-                        <a:t>H. H. a. M. H. D. Alan H. Karp, "From ABAC to ZBAC: The Evolution of Access Control Models," Journal of Information Warfare, vol. 9, pp. 38-46, 2010. </a:t>
-                      </a:r>
-                    </a:p>
-                    <a:p>
-                      <a:pPr marL="0" marR="0">
-                        <a:lnSpc>
-                          <a:spcPct val="107000"/>
-                        </a:lnSpc>
-                        <a:spcBef>
-                          <a:spcPts val="0"/>
-                        </a:spcBef>
-                        <a:spcAft>
-                          <a:spcPts val="800"/>
-                        </a:spcAft>
-                      </a:pPr>
-                      <a:r>
-                        <a:rPr lang="lt-LT" sz="1100" dirty="0">
-                          <a:solidFill>
-                            <a:schemeClr val="bg1"/>
-                          </a:solidFill>
-                          <a:effectLst/>
-                          <a:latin typeface="Inter Medium" panose="020B0502030000000004"/>
-                          <a:ea typeface="Calibri" panose="020F0502020204030204" pitchFamily="34" charset="0"/>
-                          <a:cs typeface="Times New Roman" panose="02020603050405020304" pitchFamily="18" charset="0"/>
-                        </a:rPr>
-                        <a:t>Šiame straipsnyje yra pateikiama prieigos valdymo evoliucija. Kokios problemos vedė prie naujų prieigos valdymo kūrimo.</a:t>
-                      </a:r>
-                    </a:p>
-                  </a:txBody>
-                  <a:tcPr marL="9525" marR="9525" marT="9525" marB="9525">
-                    <a:lnL w="12700" cmpd="sng">
-                      <a:noFill/>
-                    </a:lnL>
-                    <a:lnR w="12700" cmpd="sng">
-                      <a:noFill/>
-                    </a:lnR>
-                    <a:lnT w="12700" cmpd="sng">
-                      <a:noFill/>
-                    </a:lnT>
-                    <a:lnB w="12700" cmpd="sng">
-                      <a:noFill/>
-                    </a:lnB>
-                    <a:lnTlToBr w="12700" cmpd="sng">
-                      <a:noFill/>
-                      <a:prstDash val="solid"/>
-                    </a:lnTlToBr>
-                    <a:lnBlToTr w="12700" cmpd="sng">
-                      <a:noFill/>
-                      <a:prstDash val="solid"/>
-                    </a:lnBlToTr>
-                    <a:solidFill>
-                      <a:schemeClr val="tx1"/>
-                    </a:solidFill>
-                  </a:tcPr>
-                </a:tc>
-                <a:extLst>
-                  <a:ext uri="{0D108BD9-81ED-4DB2-BD59-A6C34878D82A}">
-                    <a16:rowId xmlns:a16="http://schemas.microsoft.com/office/drawing/2014/main" val="3209368045"/>
-                  </a:ext>
-                </a:extLst>
-              </a:tr>
-            </a:tbl>
-          </a:graphicData>
-        </a:graphic>
-      </p:graphicFrame>
-    </p:spTree>
-    <p:extLst>
-      <p:ext uri="{BB962C8B-B14F-4D97-AF65-F5344CB8AC3E}">
-        <p14:creationId xmlns:p14="http://schemas.microsoft.com/office/powerpoint/2010/main" val="3186842313"/>
-      </p:ext>
-    </p:extLst>
-  </p:cSld>
-  <p:clrMapOvr>
-    <a:masterClrMapping/>
-  </p:clrMapOvr>
-</p:sld>
-</file>
-
 <file path=ppt/slides/slide5.xml><?xml version="1.0" encoding="utf-8"?>
 <p:sld xmlns:a="http://schemas.openxmlformats.org/drawingml/2006/main" xmlns:r="http://schemas.openxmlformats.org/officeDocument/2006/relationships" xmlns:p="http://schemas.openxmlformats.org/presentationml/2006/main">
   <p:cSld>
@@ -25318,10 +25374,32 @@
           <a:lstStyle/>
           <a:p>
             <a:r>
-              <a:rPr lang="pt-BR" dirty="0"/>
-              <a:t>Prieigos valdymo problemos</a:t>
-            </a:r>
-            <a:endParaRPr lang="lt-LT" dirty="0"/>
+              <a:rPr lang="en-US" sz="3200" dirty="0" err="1">
+                <a:latin typeface="Times New Roman" panose="02020603050405020304" pitchFamily="18" charset="0"/>
+                <a:ea typeface="Times New Roman" panose="02020603050405020304" pitchFamily="18" charset="0"/>
+              </a:rPr>
+              <a:t>Rol</a:t>
+            </a:r>
+            <a:r>
+              <a:rPr lang="lt-LT" sz="3200" dirty="0">
+                <a:latin typeface="Times New Roman" panose="02020603050405020304" pitchFamily="18" charset="0"/>
+                <a:ea typeface="Times New Roman" panose="02020603050405020304" pitchFamily="18" charset="0"/>
+              </a:rPr>
+              <a:t>ėmis grysti </a:t>
+            </a:r>
+            <a:r>
+              <a:rPr lang="lt-LT" sz="3200" dirty="0">
+                <a:effectLst/>
+                <a:latin typeface="Times New Roman" panose="02020603050405020304" pitchFamily="18" charset="0"/>
+                <a:ea typeface="Times New Roman" panose="02020603050405020304" pitchFamily="18" charset="0"/>
+              </a:rPr>
+              <a:t>prieigos modeliai</a:t>
+            </a:r>
+            <a:endParaRPr lang="en-US" sz="3200" dirty="0">
+              <a:effectLst/>
+              <a:latin typeface="Times New Roman" panose="02020603050405020304" pitchFamily="18" charset="0"/>
+              <a:ea typeface="Times New Roman" panose="02020603050405020304" pitchFamily="18" charset="0"/>
+            </a:endParaRPr>
           </a:p>
         </p:txBody>
       </p:sp>
@@ -27342,15 +27420,6 @@
 </file>
 
 <file path=customXml/item1.xml><?xml version="1.0" encoding="utf-8"?>
-<?mso-contentType ?>
-<FormTemplates xmlns="http://schemas.microsoft.com/sharepoint/v3/contenttype/forms">
-  <Display>DocumentLibraryForm</Display>
-  <Edit>DocumentLibraryForm</Edit>
-  <New>DocumentLibraryForm</New>
-</FormTemplates>
-</file>
-
-<file path=customXml/item2.xml><?xml version="1.0" encoding="utf-8"?>
 <ct:contentTypeSchema xmlns:ct="http://schemas.microsoft.com/office/2006/metadata/contentType" xmlns:ma="http://schemas.microsoft.com/office/2006/metadata/properties/metaAttributes" ct:_="" ma:_="" ma:contentTypeName="Dokumentas" ma:contentTypeID="0x01010085A0B56825ACE44AA56534054A45F39F" ma:contentTypeVersion="16" ma:contentTypeDescription="Kurkite naują dokumentą." ma:contentTypeScope="" ma:versionID="af5a762cd9ff50b6a08d36f9c4c905e0">
   <xsd:schema xmlns:xsd="http://www.w3.org/2001/XMLSchema" xmlns:xs="http://www.w3.org/2001/XMLSchema" xmlns:p="http://schemas.microsoft.com/office/2006/metadata/properties" xmlns:ns2="620836a7-bc45-472c-88d2-4326827033e8" xmlns:ns3="6f570473-4b36-4c39-a776-03401f4bff93" targetNamespace="http://schemas.microsoft.com/office/2006/metadata/properties" ma:root="true" ma:fieldsID="f1c764103dade80e512ed8409fb7d386" ns2:_="" ns3:_="">
     <xsd:import namespace="620836a7-bc45-472c-88d2-4326827033e8"/>
@@ -27593,6 +27662,15 @@
 </ct:contentTypeSchema>
 </file>
 
+<file path=customXml/item2.xml><?xml version="1.0" encoding="utf-8"?>
+<?mso-contentType ?>
+<FormTemplates xmlns="http://schemas.microsoft.com/sharepoint/v3/contenttype/forms">
+  <Display>DocumentLibraryForm</Display>
+  <Edit>DocumentLibraryForm</Edit>
+  <New>DocumentLibraryForm</New>
+</FormTemplates>
+</file>
+
 <file path=customXml/item3.xml><?xml version="1.0" encoding="utf-8"?>
 <p:properties xmlns:p="http://schemas.microsoft.com/office/2006/metadata/properties" xmlns:xsi="http://www.w3.org/2001/XMLSchema-instance" xmlns:pc="http://schemas.microsoft.com/office/infopath/2007/PartnerControls">
   <documentManagement>
@@ -27602,14 +27680,6 @@
 </file>
 
 <file path=customXml/itemProps1.xml><?xml version="1.0" encoding="utf-8"?>
-<ds:datastoreItem xmlns:ds="http://schemas.openxmlformats.org/officeDocument/2006/customXml" ds:itemID="{520C1942-10EE-42DC-AE9F-A926B050F2F4}">
-  <ds:schemaRefs>
-    <ds:schemaRef ds:uri="http://schemas.microsoft.com/sharepoint/v3/contenttype/forms"/>
-  </ds:schemaRefs>
-</ds:datastoreItem>
-</file>
-
-<file path=customXml/itemProps2.xml><?xml version="1.0" encoding="utf-8"?>
 <ds:datastoreItem xmlns:ds="http://schemas.openxmlformats.org/officeDocument/2006/customXml" ds:itemID="{8E9EA016-48E9-454F-BAD2-C11D02A89C34}">
   <ds:schemaRefs>
     <ds:schemaRef ds:uri="http://schemas.microsoft.com/office/2006/metadata/contentType"/>
@@ -27628,6 +27698,14 @@
 </ds:datastoreItem>
 </file>
 
+<file path=customXml/itemProps2.xml><?xml version="1.0" encoding="utf-8"?>
+<ds:datastoreItem xmlns:ds="http://schemas.openxmlformats.org/officeDocument/2006/customXml" ds:itemID="{520C1942-10EE-42DC-AE9F-A926B050F2F4}">
+  <ds:schemaRefs>
+    <ds:schemaRef ds:uri="http://schemas.microsoft.com/sharepoint/v3/contenttype/forms"/>
+  </ds:schemaRefs>
+</ds:datastoreItem>
+</file>
+
 <file path=customXml/itemProps3.xml><?xml version="1.0" encoding="utf-8"?>
 <ds:datastoreItem xmlns:ds="http://schemas.openxmlformats.org/officeDocument/2006/customXml" ds:itemID="{BA7BADF8-ABD3-4C23-AF26-BD3BDD8175E7}">
   <ds:schemaRefs>
